--- a/Presentazione_ProgettoSaw_Chiesa_Greco_Terrile.pptx
+++ b/Presentazione_ProgettoSaw_Chiesa_Greco_Terrile.pptx
@@ -425,7 +425,7 @@
             <a:pPr rtl="0"/>
             <a:fld id="{DBC54730-5EBA-4920-A6C4-7F8458A7F940}" type="datetime1">
               <a:rPr lang="it-IT" smtClean="0"/>
-              <a:t>06/02/2022</a:t>
+              <a:t>07/02/2022</a:t>
             </a:fld>
             <a:endParaRPr lang="it-IT"/>
           </a:p>
@@ -607,7 +607,7 @@
             <a:fld id="{85EC1C34-318D-43A8-83F5-3AC8647FE75E}" type="datetime1">
               <a:rPr lang="it-IT" smtClean="0"/>
               <a:pPr/>
-              <a:t>06/02/2022</a:t>
+              <a:t>07/02/2022</a:t>
             </a:fld>
             <a:endParaRPr lang="it-IT" dirty="0"/>
           </a:p>
@@ -1333,13 +1333,13 @@
   <p:clrMapOvr>
     <a:masterClrMapping/>
   </p:clrMapOvr>
-  <mc:AlternateContent xmlns:mc="http://schemas.openxmlformats.org/markup-compatibility/2006">
-    <mc:Choice xmlns:p14="http://schemas.microsoft.com/office/powerpoint/2010/main" Requires="p14">
+  <mc:AlternateContent xmlns:mc="http://schemas.openxmlformats.org/markup-compatibility/2006" xmlns:p14="http://schemas.microsoft.com/office/powerpoint/2010/main">
+    <mc:Choice Requires="p14">
       <p:transition spd="slow" p14:dur="2250">
         <p14:ferris dir="l"/>
       </p:transition>
     </mc:Choice>
-    <mc:Fallback>
+    <mc:Fallback xmlns="">
       <p:transition spd="slow">
         <p:fade/>
       </p:transition>
@@ -2476,13 +2476,13 @@
   <p:clrMapOvr>
     <a:overrideClrMapping bg1="lt1" tx1="dk1" bg2="lt2" tx2="dk2" accent1="accent1" accent2="accent2" accent3="accent3" accent4="accent4" accent5="accent5" accent6="accent6" hlink="hlink" folHlink="folHlink"/>
   </p:clrMapOvr>
-  <mc:AlternateContent xmlns:mc="http://schemas.openxmlformats.org/markup-compatibility/2006">
-    <mc:Choice xmlns:p14="http://schemas.microsoft.com/office/powerpoint/2010/main" Requires="p14">
+  <mc:AlternateContent xmlns:mc="http://schemas.openxmlformats.org/markup-compatibility/2006" xmlns:p14="http://schemas.microsoft.com/office/powerpoint/2010/main">
+    <mc:Choice Requires="p14">
       <p:transition spd="slow" p14:dur="2250">
         <p14:ferris dir="l"/>
       </p:transition>
     </mc:Choice>
-    <mc:Fallback>
+    <mc:Fallback xmlns="">
       <p:transition spd="slow">
         <p:fade/>
       </p:transition>
@@ -3156,13 +3156,13 @@
   <p:clrMapOvr>
     <a:masterClrMapping/>
   </p:clrMapOvr>
-  <mc:AlternateContent xmlns:mc="http://schemas.openxmlformats.org/markup-compatibility/2006">
-    <mc:Choice xmlns:p14="http://schemas.microsoft.com/office/powerpoint/2010/main" Requires="p14">
+  <mc:AlternateContent xmlns:mc="http://schemas.openxmlformats.org/markup-compatibility/2006" xmlns:p14="http://schemas.microsoft.com/office/powerpoint/2010/main">
+    <mc:Choice Requires="p14">
       <p:transition spd="slow" p14:dur="2250">
         <p14:ferris dir="l"/>
       </p:transition>
     </mc:Choice>
-    <mc:Fallback>
+    <mc:Fallback xmlns="">
       <p:transition spd="slow">
         <p:fade/>
       </p:transition>
@@ -3753,13 +3753,13 @@
   <p:clrMapOvr>
     <a:masterClrMapping/>
   </p:clrMapOvr>
-  <mc:AlternateContent xmlns:mc="http://schemas.openxmlformats.org/markup-compatibility/2006">
-    <mc:Choice xmlns:p14="http://schemas.microsoft.com/office/powerpoint/2010/main" Requires="p14">
+  <mc:AlternateContent xmlns:mc="http://schemas.openxmlformats.org/markup-compatibility/2006" xmlns:p14="http://schemas.microsoft.com/office/powerpoint/2010/main">
+    <mc:Choice Requires="p14">
       <p:transition spd="slow" p14:dur="2250">
         <p14:ferris dir="l"/>
       </p:transition>
     </mc:Choice>
-    <mc:Fallback>
+    <mc:Fallback xmlns="">
       <p:transition spd="slow">
         <p:fade/>
       </p:transition>
@@ -5329,13 +5329,13 @@
   <p:clrMapOvr>
     <a:masterClrMapping/>
   </p:clrMapOvr>
-  <mc:AlternateContent xmlns:mc="http://schemas.openxmlformats.org/markup-compatibility/2006">
-    <mc:Choice xmlns:p14="http://schemas.microsoft.com/office/powerpoint/2010/main" Requires="p14">
+  <mc:AlternateContent xmlns:mc="http://schemas.openxmlformats.org/markup-compatibility/2006" xmlns:p14="http://schemas.microsoft.com/office/powerpoint/2010/main">
+    <mc:Choice Requires="p14">
       <p:transition spd="slow" p14:dur="2250">
         <p14:ferris dir="l"/>
       </p:transition>
     </mc:Choice>
-    <mc:Fallback>
+    <mc:Fallback xmlns="">
       <p:transition spd="slow">
         <p:fade/>
       </p:transition>
@@ -5656,13 +5656,13 @@
   <p:clrMapOvr>
     <a:overrideClrMapping bg1="lt1" tx1="dk1" bg2="lt2" tx2="dk2" accent1="accent1" accent2="accent2" accent3="accent3" accent4="accent4" accent5="accent5" accent6="accent6" hlink="hlink" folHlink="folHlink"/>
   </p:clrMapOvr>
-  <mc:AlternateContent xmlns:mc="http://schemas.openxmlformats.org/markup-compatibility/2006">
-    <mc:Choice xmlns:p14="http://schemas.microsoft.com/office/powerpoint/2010/main" Requires="p14">
+  <mc:AlternateContent xmlns:mc="http://schemas.openxmlformats.org/markup-compatibility/2006" xmlns:p14="http://schemas.microsoft.com/office/powerpoint/2010/main">
+    <mc:Choice Requires="p14">
       <p:transition spd="slow" p14:dur="2250">
         <p14:ferris dir="l"/>
       </p:transition>
     </mc:Choice>
-    <mc:Fallback>
+    <mc:Fallback xmlns="">
       <p:transition spd="slow">
         <p:fade/>
       </p:transition>
@@ -6839,13 +6839,13 @@
   <p:clrMapOvr>
     <a:overrideClrMapping bg1="lt1" tx1="dk1" bg2="lt2" tx2="dk2" accent1="accent1" accent2="accent2" accent3="accent3" accent4="accent4" accent5="accent5" accent6="accent6" hlink="hlink" folHlink="folHlink"/>
   </p:clrMapOvr>
-  <mc:AlternateContent xmlns:mc="http://schemas.openxmlformats.org/markup-compatibility/2006">
-    <mc:Choice xmlns:p14="http://schemas.microsoft.com/office/powerpoint/2010/main" Requires="p14">
+  <mc:AlternateContent xmlns:mc="http://schemas.openxmlformats.org/markup-compatibility/2006" xmlns:p14="http://schemas.microsoft.com/office/powerpoint/2010/main">
+    <mc:Choice Requires="p14">
       <p:transition spd="slow" p14:dur="2250">
         <p14:ferris dir="l"/>
       </p:transition>
     </mc:Choice>
-    <mc:Fallback>
+    <mc:Fallback xmlns="">
       <p:transition spd="slow">
         <p:fade/>
       </p:transition>
@@ -8922,13 +8922,13 @@
   <p:clrMapOvr>
     <a:overrideClrMapping bg1="dk1" tx1="lt1" bg2="dk2" tx2="lt2" accent1="accent1" accent2="accent2" accent3="accent3" accent4="accent4" accent5="accent5" accent6="accent6" hlink="hlink" folHlink="folHlink"/>
   </p:clrMapOvr>
-  <mc:AlternateContent xmlns:mc="http://schemas.openxmlformats.org/markup-compatibility/2006">
-    <mc:Choice xmlns:p14="http://schemas.microsoft.com/office/powerpoint/2010/main" Requires="p14">
+  <mc:AlternateContent xmlns:mc="http://schemas.openxmlformats.org/markup-compatibility/2006" xmlns:p14="http://schemas.microsoft.com/office/powerpoint/2010/main">
+    <mc:Choice Requires="p14">
       <p:transition spd="slow" p14:dur="2250">
         <p14:ferris dir="l"/>
       </p:transition>
     </mc:Choice>
-    <mc:Fallback>
+    <mc:Fallback xmlns="">
       <p:transition spd="slow">
         <p:fade/>
       </p:transition>
@@ -10435,13 +10435,13 @@
   <p:clrMapOvr>
     <a:overrideClrMapping bg1="lt1" tx1="dk1" bg2="lt2" tx2="dk2" accent1="accent1" accent2="accent2" accent3="accent3" accent4="accent4" accent5="accent5" accent6="accent6" hlink="hlink" folHlink="folHlink"/>
   </p:clrMapOvr>
-  <mc:AlternateContent xmlns:mc="http://schemas.openxmlformats.org/markup-compatibility/2006">
-    <mc:Choice xmlns:p14="http://schemas.microsoft.com/office/powerpoint/2010/main" Requires="p14">
+  <mc:AlternateContent xmlns:mc="http://schemas.openxmlformats.org/markup-compatibility/2006" xmlns:p14="http://schemas.microsoft.com/office/powerpoint/2010/main">
+    <mc:Choice Requires="p14">
       <p:transition spd="slow" p14:dur="2250">
         <p14:ferris dir="l"/>
       </p:transition>
     </mc:Choice>
-    <mc:Fallback>
+    <mc:Fallback xmlns="">
       <p:transition spd="slow">
         <p:fade/>
       </p:transition>
@@ -10863,13 +10863,13 @@
   <p:clrMapOvr>
     <a:masterClrMapping/>
   </p:clrMapOvr>
-  <mc:AlternateContent xmlns:mc="http://schemas.openxmlformats.org/markup-compatibility/2006">
-    <mc:Choice xmlns:p14="http://schemas.microsoft.com/office/powerpoint/2010/main" Requires="p14">
+  <mc:AlternateContent xmlns:mc="http://schemas.openxmlformats.org/markup-compatibility/2006" xmlns:p14="http://schemas.microsoft.com/office/powerpoint/2010/main">
+    <mc:Choice Requires="p14">
       <p:transition spd="slow" p14:dur="2250">
         <p14:ferris dir="l"/>
       </p:transition>
     </mc:Choice>
-    <mc:Fallback>
+    <mc:Fallback xmlns="">
       <p:transition spd="slow">
         <p:fade/>
       </p:transition>
@@ -11205,13 +11205,13 @@
   <p:clrMapOvr>
     <a:masterClrMapping/>
   </p:clrMapOvr>
-  <mc:AlternateContent xmlns:mc="http://schemas.openxmlformats.org/markup-compatibility/2006">
-    <mc:Choice xmlns:p14="http://schemas.microsoft.com/office/powerpoint/2010/main" Requires="p14">
+  <mc:AlternateContent xmlns:mc="http://schemas.openxmlformats.org/markup-compatibility/2006" xmlns:p14="http://schemas.microsoft.com/office/powerpoint/2010/main">
+    <mc:Choice Requires="p14">
       <p:transition spd="slow" p14:dur="2250">
         <p14:ferris dir="l"/>
       </p:transition>
     </mc:Choice>
-    <mc:Fallback>
+    <mc:Fallback xmlns="">
       <p:transition spd="slow">
         <p:fade/>
       </p:transition>
@@ -11602,13 +11602,13 @@
   <p:clrMapOvr>
     <a:masterClrMapping/>
   </p:clrMapOvr>
-  <mc:AlternateContent xmlns:mc="http://schemas.openxmlformats.org/markup-compatibility/2006">
-    <mc:Choice xmlns:p14="http://schemas.microsoft.com/office/powerpoint/2010/main" Requires="p14">
+  <mc:AlternateContent xmlns:mc="http://schemas.openxmlformats.org/markup-compatibility/2006" xmlns:p14="http://schemas.microsoft.com/office/powerpoint/2010/main">
+    <mc:Choice Requires="p14">
       <p:transition spd="slow" p14:dur="2250">
         <p14:ferris dir="l"/>
       </p:transition>
     </mc:Choice>
-    <mc:Fallback>
+    <mc:Fallback xmlns="">
       <p:transition spd="slow">
         <p:fade/>
       </p:transition>
@@ -12480,13 +12480,13 @@
   <p:clrMapOvr>
     <a:masterClrMapping/>
   </p:clrMapOvr>
-  <mc:AlternateContent xmlns:mc="http://schemas.openxmlformats.org/markup-compatibility/2006">
-    <mc:Choice xmlns:p14="http://schemas.microsoft.com/office/powerpoint/2010/main" Requires="p14">
+  <mc:AlternateContent xmlns:mc="http://schemas.openxmlformats.org/markup-compatibility/2006" xmlns:p14="http://schemas.microsoft.com/office/powerpoint/2010/main">
+    <mc:Choice Requires="p14">
       <p:transition spd="slow" p14:dur="2250">
         <p14:ferris dir="l"/>
       </p:transition>
     </mc:Choice>
-    <mc:Fallback>
+    <mc:Fallback xmlns="">
       <p:transition spd="slow">
         <p:fade/>
       </p:transition>
@@ -13267,13 +13267,13 @@
   <p:clrMapOvr>
     <a:masterClrMapping/>
   </p:clrMapOvr>
-  <mc:AlternateContent xmlns:mc="http://schemas.openxmlformats.org/markup-compatibility/2006">
-    <mc:Choice xmlns:p14="http://schemas.microsoft.com/office/powerpoint/2010/main" Requires="p14">
+  <mc:AlternateContent xmlns:mc="http://schemas.openxmlformats.org/markup-compatibility/2006" xmlns:p14="http://schemas.microsoft.com/office/powerpoint/2010/main">
+    <mc:Choice Requires="p14">
       <p:transition spd="slow" p14:dur="2250">
         <p14:ferris dir="l"/>
       </p:transition>
     </mc:Choice>
-    <mc:Fallback>
+    <mc:Fallback xmlns="">
       <p:transition spd="slow">
         <p:fade/>
       </p:transition>
@@ -13933,13 +13933,13 @@
   <p:clrMapOvr>
     <a:masterClrMapping/>
   </p:clrMapOvr>
-  <mc:AlternateContent xmlns:mc="http://schemas.openxmlformats.org/markup-compatibility/2006">
-    <mc:Choice xmlns:p14="http://schemas.microsoft.com/office/powerpoint/2010/main" Requires="p14">
+  <mc:AlternateContent xmlns:mc="http://schemas.openxmlformats.org/markup-compatibility/2006" xmlns:p14="http://schemas.microsoft.com/office/powerpoint/2010/main">
+    <mc:Choice Requires="p14">
       <p:transition spd="slow" p14:dur="2250">
         <p14:ferris dir="l"/>
       </p:transition>
     </mc:Choice>
-    <mc:Fallback>
+    <mc:Fallback xmlns="">
       <p:transition spd="slow">
         <p:fade/>
       </p:transition>
@@ -14365,13 +14365,13 @@
   <p:clrMapOvr>
     <a:masterClrMapping/>
   </p:clrMapOvr>
-  <mc:AlternateContent xmlns:mc="http://schemas.openxmlformats.org/markup-compatibility/2006">
-    <mc:Choice xmlns:p14="http://schemas.microsoft.com/office/powerpoint/2010/main" Requires="p14">
+  <mc:AlternateContent xmlns:mc="http://schemas.openxmlformats.org/markup-compatibility/2006" xmlns:p14="http://schemas.microsoft.com/office/powerpoint/2010/main">
+    <mc:Choice Requires="p14">
       <p:transition spd="slow" p14:dur="2250">
         <p14:ferris dir="l"/>
       </p:transition>
     </mc:Choice>
-    <mc:Fallback>
+    <mc:Fallback xmlns="">
       <p:transition spd="slow">
         <p:fade/>
       </p:transition>
@@ -14498,13 +14498,13 @@
   <p:clrMapOvr>
     <a:masterClrMapping/>
   </p:clrMapOvr>
-  <mc:AlternateContent xmlns:mc="http://schemas.openxmlformats.org/markup-compatibility/2006">
-    <mc:Choice xmlns:p14="http://schemas.microsoft.com/office/powerpoint/2010/main" Requires="p14">
+  <mc:AlternateContent xmlns:mc="http://schemas.openxmlformats.org/markup-compatibility/2006" xmlns:p14="http://schemas.microsoft.com/office/powerpoint/2010/main">
+    <mc:Choice Requires="p14">
       <p:transition spd="slow" p14:dur="2250">
         <p14:ferris dir="l"/>
       </p:transition>
     </mc:Choice>
-    <mc:Fallback>
+    <mc:Fallback xmlns="">
       <p:transition spd="slow">
         <p:fade/>
       </p:transition>
@@ -15094,13 +15094,13 @@
   <p:clrMapOvr>
     <a:masterClrMapping/>
   </p:clrMapOvr>
-  <mc:AlternateContent xmlns:mc="http://schemas.openxmlformats.org/markup-compatibility/2006">
-    <mc:Choice xmlns:p14="http://schemas.microsoft.com/office/powerpoint/2010/main" Requires="p14">
+  <mc:AlternateContent xmlns:mc="http://schemas.openxmlformats.org/markup-compatibility/2006" xmlns:p14="http://schemas.microsoft.com/office/powerpoint/2010/main">
+    <mc:Choice Requires="p14">
       <p:transition spd="slow" p14:dur="2250">
         <p14:ferris dir="l"/>
       </p:transition>
     </mc:Choice>
-    <mc:Fallback>
+    <mc:Fallback xmlns="">
       <p:transition spd="slow">
         <p:fade/>
       </p:transition>
@@ -16050,13 +16050,13 @@
   <p:clrMapOvr>
     <a:overrideClrMapping bg1="lt1" tx1="dk1" bg2="lt2" tx2="dk2" accent1="accent1" accent2="accent2" accent3="accent3" accent4="accent4" accent5="accent5" accent6="accent6" hlink="hlink" folHlink="folHlink"/>
   </p:clrMapOvr>
-  <mc:AlternateContent xmlns:mc="http://schemas.openxmlformats.org/markup-compatibility/2006">
-    <mc:Choice xmlns:p14="http://schemas.microsoft.com/office/powerpoint/2010/main" Requires="p14">
+  <mc:AlternateContent xmlns:mc="http://schemas.openxmlformats.org/markup-compatibility/2006" xmlns:p14="http://schemas.microsoft.com/office/powerpoint/2010/main">
+    <mc:Choice Requires="p14">
       <p:transition spd="slow" p14:dur="2250">
         <p14:ferris dir="l"/>
       </p:transition>
     </mc:Choice>
-    <mc:Fallback>
+    <mc:Fallback xmlns="">
       <p:transition spd="slow">
         <p:fade/>
       </p:transition>
@@ -16365,13 +16365,13 @@
     <p:sldLayoutId id="2147483677" r:id="rId18"/>
     <p:sldLayoutId id="2147483678" r:id="rId19"/>
   </p:sldLayoutIdLst>
-  <mc:AlternateContent xmlns:mc="http://schemas.openxmlformats.org/markup-compatibility/2006">
-    <mc:Choice xmlns:p14="http://schemas.microsoft.com/office/powerpoint/2010/main" Requires="p14">
+  <mc:AlternateContent xmlns:mc="http://schemas.openxmlformats.org/markup-compatibility/2006" xmlns:p14="http://schemas.microsoft.com/office/powerpoint/2010/main">
+    <mc:Choice Requires="p14">
       <p:transition spd="slow" p14:dur="2250">
         <p14:ferris dir="l"/>
       </p:transition>
     </mc:Choice>
-    <mc:Fallback>
+    <mc:Fallback xmlns="">
       <p:transition spd="slow">
         <p:fade/>
       </p:transition>
@@ -16978,13 +16978,13 @@
   <p:clrMapOvr>
     <a:masterClrMapping/>
   </p:clrMapOvr>
-  <mc:AlternateContent xmlns:mc="http://schemas.openxmlformats.org/markup-compatibility/2006">
-    <mc:Choice xmlns:p14="http://schemas.microsoft.com/office/powerpoint/2010/main" Requires="p14">
+  <mc:AlternateContent xmlns:mc="http://schemas.openxmlformats.org/markup-compatibility/2006" xmlns:p14="http://schemas.microsoft.com/office/powerpoint/2010/main">
+    <mc:Choice Requires="p14">
       <p:transition spd="slow" p14:dur="2250">
         <p14:ferris dir="l"/>
       </p:transition>
     </mc:Choice>
-    <mc:Fallback>
+    <mc:Fallback xmlns="">
       <p:transition spd="slow">
         <p:fade/>
       </p:transition>
@@ -17267,13 +17267,13 @@
   <p:clrMapOvr>
     <a:masterClrMapping/>
   </p:clrMapOvr>
-  <mc:AlternateContent xmlns:mc="http://schemas.openxmlformats.org/markup-compatibility/2006">
-    <mc:Choice xmlns:p14="http://schemas.microsoft.com/office/powerpoint/2010/main" Requires="p14">
+  <mc:AlternateContent xmlns:mc="http://schemas.openxmlformats.org/markup-compatibility/2006" xmlns:p14="http://schemas.microsoft.com/office/powerpoint/2010/main">
+    <mc:Choice Requires="p14">
       <p:transition spd="slow" p14:dur="2250">
         <p14:ferris dir="l"/>
       </p:transition>
     </mc:Choice>
-    <mc:Fallback>
+    <mc:Fallback xmlns="">
       <p:transition spd="slow">
         <p:fade/>
       </p:transition>
@@ -18547,13 +18547,13 @@
   <p:clrMapOvr>
     <a:masterClrMapping/>
   </p:clrMapOvr>
-  <mc:AlternateContent xmlns:mc="http://schemas.openxmlformats.org/markup-compatibility/2006">
-    <mc:Choice xmlns:p14="http://schemas.microsoft.com/office/powerpoint/2010/main" Requires="p14">
+  <mc:AlternateContent xmlns:mc="http://schemas.openxmlformats.org/markup-compatibility/2006" xmlns:p14="http://schemas.microsoft.com/office/powerpoint/2010/main">
+    <mc:Choice Requires="p14">
       <p:transition spd="slow" p14:dur="2250">
         <p14:ferris dir="l"/>
       </p:transition>
     </mc:Choice>
-    <mc:Fallback>
+    <mc:Fallback xmlns="">
       <p:transition spd="slow">
         <p:fade/>
       </p:transition>
@@ -19791,13 +19791,13 @@
   <p:clrMapOvr>
     <a:masterClrMapping/>
   </p:clrMapOvr>
-  <mc:AlternateContent xmlns:mc="http://schemas.openxmlformats.org/markup-compatibility/2006">
-    <mc:Choice xmlns:p14="http://schemas.microsoft.com/office/powerpoint/2010/main" Requires="p14">
+  <mc:AlternateContent xmlns:mc="http://schemas.openxmlformats.org/markup-compatibility/2006" xmlns:p14="http://schemas.microsoft.com/office/powerpoint/2010/main">
+    <mc:Choice Requires="p14">
       <p:transition spd="slow" p14:dur="2250">
         <p14:ferris dir="l"/>
       </p:transition>
     </mc:Choice>
-    <mc:Fallback>
+    <mc:Fallback xmlns="">
       <p:transition spd="slow">
         <p:fade/>
       </p:transition>
@@ -20552,13 +20552,13 @@
   <p:clrMapOvr>
     <a:masterClrMapping/>
   </p:clrMapOvr>
-  <mc:AlternateContent xmlns:mc="http://schemas.openxmlformats.org/markup-compatibility/2006">
-    <mc:Choice xmlns:p14="http://schemas.microsoft.com/office/powerpoint/2010/main" Requires="p14">
+  <mc:AlternateContent xmlns:mc="http://schemas.openxmlformats.org/markup-compatibility/2006" xmlns:p14="http://schemas.microsoft.com/office/powerpoint/2010/main">
+    <mc:Choice Requires="p14">
       <p:transition spd="slow" p14:dur="2250">
         <p14:ferris dir="l"/>
       </p:transition>
     </mc:Choice>
-    <mc:Fallback>
+    <mc:Fallback xmlns="">
       <p:transition spd="slow">
         <p:fade/>
       </p:transition>
@@ -21185,13 +21185,13 @@
   <p:clrMapOvr>
     <a:masterClrMapping/>
   </p:clrMapOvr>
-  <mc:AlternateContent xmlns:mc="http://schemas.openxmlformats.org/markup-compatibility/2006">
-    <mc:Choice xmlns:p14="http://schemas.microsoft.com/office/powerpoint/2010/main" Requires="p14">
+  <mc:AlternateContent xmlns:mc="http://schemas.openxmlformats.org/markup-compatibility/2006" xmlns:p14="http://schemas.microsoft.com/office/powerpoint/2010/main">
+    <mc:Choice Requires="p14">
       <p:transition spd="slow" p14:dur="2250">
         <p14:ferris dir="l"/>
       </p:transition>
     </mc:Choice>
-    <mc:Fallback>
+    <mc:Fallback xmlns="">
       <p:transition spd="slow">
         <p:fade/>
       </p:transition>
@@ -21643,13 +21643,13 @@
   <p:clrMapOvr>
     <a:masterClrMapping/>
   </p:clrMapOvr>
-  <mc:AlternateContent xmlns:mc="http://schemas.openxmlformats.org/markup-compatibility/2006">
-    <mc:Choice xmlns:p14="http://schemas.microsoft.com/office/powerpoint/2010/main" Requires="p14">
+  <mc:AlternateContent xmlns:mc="http://schemas.openxmlformats.org/markup-compatibility/2006" xmlns:p14="http://schemas.microsoft.com/office/powerpoint/2010/main">
+    <mc:Choice Requires="p14">
       <p:transition spd="slow" p14:dur="2250">
         <p14:ferris dir="l"/>
       </p:transition>
     </mc:Choice>
-    <mc:Fallback>
+    <mc:Fallback xmlns="">
       <p:transition spd="slow">
         <p:fade/>
       </p:transition>
@@ -22450,6 +22450,15 @@
 </file>
 
 <file path=customXml/item1.xml><?xml version="1.0" encoding="utf-8"?>
+<?mso-contentType ?>
+<FormTemplates xmlns="http://schemas.microsoft.com/sharepoint/v3/contenttype/forms">
+  <Display>DocumentLibraryForm</Display>
+  <Edit>DocumentLibraryForm</Edit>
+  <New>DocumentLibraryForm</New>
+</FormTemplates>
+</file>
+
+<file path=customXml/item2.xml><?xml version="1.0" encoding="utf-8"?>
 <p:properties xmlns:p="http://schemas.microsoft.com/office/2006/metadata/properties" xmlns:xsi="http://www.w3.org/2001/XMLSchema-instance" xmlns:pc="http://schemas.microsoft.com/office/infopath/2007/PartnerControls">
   <documentManagement>
     <_ip_UnifiedCompliancePolicyUIAction xmlns="http://schemas.microsoft.com/sharepoint/v3" xsi:nil="true"/>
@@ -22466,15 +22475,6 @@
     <MediaServiceKeyPoints xmlns="71af3243-3dd4-4a8d-8c0d-dd76da1f02a5" xsi:nil="true"/>
   </documentManagement>
 </p:properties>
-</file>
-
-<file path=customXml/item2.xml><?xml version="1.0" encoding="utf-8"?>
-<?mso-contentType ?>
-<FormTemplates xmlns="http://schemas.microsoft.com/sharepoint/v3/contenttype/forms">
-  <Display>DocumentLibraryForm</Display>
-  <Edit>DocumentLibraryForm</Edit>
-  <New>DocumentLibraryForm</New>
-</FormTemplates>
 </file>
 
 <file path=customXml/item3.xml><?xml version="1.0" encoding="utf-8"?>
@@ -22754,6 +22754,14 @@
 </file>
 
 <file path=customXml/itemProps1.xml><?xml version="1.0" encoding="utf-8"?>
+<ds:datastoreItem xmlns:ds="http://schemas.openxmlformats.org/officeDocument/2006/customXml" ds:itemID="{42BC90D6-94CF-42F7-AAC4-9CF6824C54D5}">
+  <ds:schemaRefs>
+    <ds:schemaRef ds:uri="http://schemas.microsoft.com/sharepoint/v3/contenttype/forms"/>
+  </ds:schemaRefs>
+</ds:datastoreItem>
+</file>
+
+<file path=customXml/itemProps2.xml><?xml version="1.0" encoding="utf-8"?>
 <ds:datastoreItem xmlns:ds="http://schemas.openxmlformats.org/officeDocument/2006/customXml" ds:itemID="{7F97B18F-50BC-4F30-8373-93489E845F83}">
   <ds:schemaRefs>
     <ds:schemaRef ds:uri="http://schemas.microsoft.com/office/2006/metadata/properties"/>
@@ -22761,14 +22769,6 @@
     <ds:schemaRef ds:uri="http://schemas.microsoft.com/sharepoint/v3"/>
     <ds:schemaRef ds:uri="71af3243-3dd4-4a8d-8c0d-dd76da1f02a5"/>
     <ds:schemaRef ds:uri="230e9df3-be65-4c73-a93b-d1236ebd677e"/>
-  </ds:schemaRefs>
-</ds:datastoreItem>
-</file>
-
-<file path=customXml/itemProps2.xml><?xml version="1.0" encoding="utf-8"?>
-<ds:datastoreItem xmlns:ds="http://schemas.openxmlformats.org/officeDocument/2006/customXml" ds:itemID="{42BC90D6-94CF-42F7-AAC4-9CF6824C54D5}">
-  <ds:schemaRefs>
-    <ds:schemaRef ds:uri="http://schemas.microsoft.com/sharepoint/v3/contenttype/forms"/>
   </ds:schemaRefs>
 </ds:datastoreItem>
 </file>
